--- a/Documentacao/Documentacao/Apresentação 2a Sprint.pptx
+++ b/Documentacao/Documentacao/Apresentação 2a Sprint.pptx
@@ -254,7 +254,7 @@
           <a:p>
             <a:fld id="{150393E8-F99D-42CE-9AA3-CB8D8B79CBEE}" type="datetimeFigureOut">
               <a:rPr lang="pt-BR" smtClean="0"/>
-              <a:t>23/10/2019</a:t>
+              <a:t>24/10/2019</a:t>
             </a:fld>
             <a:endParaRPr lang="pt-BR" dirty="0"/>
           </a:p>
@@ -422,7 +422,7 @@
           <a:p>
             <a:fld id="{150393E8-F99D-42CE-9AA3-CB8D8B79CBEE}" type="datetimeFigureOut">
               <a:rPr lang="pt-BR" smtClean="0"/>
-              <a:t>23/10/2019</a:t>
+              <a:t>24/10/2019</a:t>
             </a:fld>
             <a:endParaRPr lang="pt-BR" dirty="0"/>
           </a:p>
@@ -600,7 +600,7 @@
           <a:p>
             <a:fld id="{150393E8-F99D-42CE-9AA3-CB8D8B79CBEE}" type="datetimeFigureOut">
               <a:rPr lang="pt-BR" smtClean="0"/>
-              <a:t>23/10/2019</a:t>
+              <a:t>24/10/2019</a:t>
             </a:fld>
             <a:endParaRPr lang="pt-BR" dirty="0"/>
           </a:p>
@@ -768,7 +768,7 @@
           <a:p>
             <a:fld id="{150393E8-F99D-42CE-9AA3-CB8D8B79CBEE}" type="datetimeFigureOut">
               <a:rPr lang="pt-BR" smtClean="0"/>
-              <a:t>23/10/2019</a:t>
+              <a:t>24/10/2019</a:t>
             </a:fld>
             <a:endParaRPr lang="pt-BR" dirty="0"/>
           </a:p>
@@ -1013,7 +1013,7 @@
           <a:p>
             <a:fld id="{150393E8-F99D-42CE-9AA3-CB8D8B79CBEE}" type="datetimeFigureOut">
               <a:rPr lang="pt-BR" smtClean="0"/>
-              <a:t>23/10/2019</a:t>
+              <a:t>24/10/2019</a:t>
             </a:fld>
             <a:endParaRPr lang="pt-BR" dirty="0"/>
           </a:p>
@@ -1242,7 +1242,7 @@
           <a:p>
             <a:fld id="{150393E8-F99D-42CE-9AA3-CB8D8B79CBEE}" type="datetimeFigureOut">
               <a:rPr lang="pt-BR" smtClean="0"/>
-              <a:t>23/10/2019</a:t>
+              <a:t>24/10/2019</a:t>
             </a:fld>
             <a:endParaRPr lang="pt-BR" dirty="0"/>
           </a:p>
@@ -1606,7 +1606,7 @@
           <a:p>
             <a:fld id="{150393E8-F99D-42CE-9AA3-CB8D8B79CBEE}" type="datetimeFigureOut">
               <a:rPr lang="pt-BR" smtClean="0"/>
-              <a:t>23/10/2019</a:t>
+              <a:t>24/10/2019</a:t>
             </a:fld>
             <a:endParaRPr lang="pt-BR" dirty="0"/>
           </a:p>
@@ -1723,7 +1723,7 @@
           <a:p>
             <a:fld id="{150393E8-F99D-42CE-9AA3-CB8D8B79CBEE}" type="datetimeFigureOut">
               <a:rPr lang="pt-BR" smtClean="0"/>
-              <a:t>23/10/2019</a:t>
+              <a:t>24/10/2019</a:t>
             </a:fld>
             <a:endParaRPr lang="pt-BR" dirty="0"/>
           </a:p>
@@ -1818,7 +1818,7 @@
           <a:p>
             <a:fld id="{150393E8-F99D-42CE-9AA3-CB8D8B79CBEE}" type="datetimeFigureOut">
               <a:rPr lang="pt-BR" smtClean="0"/>
-              <a:t>23/10/2019</a:t>
+              <a:t>24/10/2019</a:t>
             </a:fld>
             <a:endParaRPr lang="pt-BR" dirty="0"/>
           </a:p>
@@ -2093,7 +2093,7 @@
           <a:p>
             <a:fld id="{150393E8-F99D-42CE-9AA3-CB8D8B79CBEE}" type="datetimeFigureOut">
               <a:rPr lang="pt-BR" smtClean="0"/>
-              <a:t>23/10/2019</a:t>
+              <a:t>24/10/2019</a:t>
             </a:fld>
             <a:endParaRPr lang="pt-BR" dirty="0"/>
           </a:p>
@@ -2345,7 +2345,7 @@
           <a:p>
             <a:fld id="{150393E8-F99D-42CE-9AA3-CB8D8B79CBEE}" type="datetimeFigureOut">
               <a:rPr lang="pt-BR" smtClean="0"/>
-              <a:t>23/10/2019</a:t>
+              <a:t>24/10/2019</a:t>
             </a:fld>
             <a:endParaRPr lang="pt-BR" dirty="0"/>
           </a:p>
@@ -2556,7 +2556,7 @@
           <a:p>
             <a:fld id="{150393E8-F99D-42CE-9AA3-CB8D8B79CBEE}" type="datetimeFigureOut">
               <a:rPr lang="pt-BR" smtClean="0"/>
-              <a:t>23/10/2019</a:t>
+              <a:t>24/10/2019</a:t>
             </a:fld>
             <a:endParaRPr lang="pt-BR" dirty="0"/>
           </a:p>
@@ -3012,7 +3012,7 @@
                 <a16:creationId xmlns:a16="http://schemas.microsoft.com/office/drawing/2014/main" id="{EE09A529-E47C-4634-BB98-0A9526C372B4}"/>
               </a:ext>
               <a:ext uri="{C183D7F6-B498-43B3-948B-1728B52AA6E4}">
-                <adec:decorative xmlns:adec="http://schemas.microsoft.com/office/drawing/2017/decorative" xmlns="" val="1"/>
+                <adec:decorative xmlns="" xmlns:adec="http://schemas.microsoft.com/office/drawing/2017/decorative" val="1"/>
               </a:ext>
             </a:extLst>
           </p:cNvPr>
@@ -3057,7 +3057,7 @@
                 <a16:creationId xmlns:a16="http://schemas.microsoft.com/office/drawing/2014/main" id="{569C1A01-6FB5-43CE-ADCC-936728ACAC0D}"/>
               </a:ext>
               <a:ext uri="{C183D7F6-B498-43B3-948B-1728B52AA6E4}">
-                <adec:decorative xmlns:adec="http://schemas.microsoft.com/office/drawing/2017/decorative" xmlns="" val="1"/>
+                <adec:decorative xmlns="" xmlns:adec="http://schemas.microsoft.com/office/drawing/2017/decorative" val="1"/>
               </a:ext>
             </a:extLst>
           </p:cNvPr>
@@ -3696,28 +3696,22 @@
       </p:sp>
       <p:pic>
         <p:nvPicPr>
-          <p:cNvPr id="4" name="Espaço Reservado para Conteúdo 3"/>
+          <p:cNvPr id="9" name="Imagem 8"/>
           <p:cNvPicPr>
             <a:picLocks noChangeAspect="1"/>
           </p:cNvPicPr>
           <p:nvPr/>
         </p:nvPicPr>
         <p:blipFill>
-          <a:blip r:embed="rId2">
-            <a:extLst>
-              <a:ext uri="{28A0092B-C50C-407E-A947-70E740481C1C}">
-                <a14:useLocalDpi xmlns:a14="http://schemas.microsoft.com/office/drawing/2010/main" val="0"/>
-              </a:ext>
-            </a:extLst>
-          </a:blip>
+          <a:blip r:embed="rId2"/>
           <a:stretch>
             <a:fillRect/>
           </a:stretch>
         </p:blipFill>
         <p:spPr>
           <a:xfrm>
-            <a:off x="6057900" y="1574800"/>
-            <a:ext cx="5363663" cy="4162425"/>
+            <a:off x="6060423" y="1344706"/>
+            <a:ext cx="5422770" cy="4190966"/>
           </a:xfrm>
           <a:prstGeom prst="rect">
             <a:avLst/>
@@ -3734,6 +3728,13 @@
   <p:clrMapOvr>
     <a:masterClrMapping/>
   </p:clrMapOvr>
+  <p:timing>
+    <p:tnLst>
+      <p:par>
+        <p:cTn id="1" dur="indefinite" restart="never" nodeType="tmRoot"/>
+      </p:par>
+    </p:tnLst>
+  </p:timing>
 </p:sld>
 </file>
 
@@ -6173,6 +6174,13 @@
   <p:clrMapOvr>
     <a:masterClrMapping/>
   </p:clrMapOvr>
+  <p:timing>
+    <p:tnLst>
+      <p:par>
+        <p:cTn id="1" dur="indefinite" restart="never" nodeType="tmRoot"/>
+      </p:par>
+    </p:tnLst>
+  </p:timing>
 </p:sld>
 </file>
 
@@ -6254,7 +6262,7 @@
         </p:blipFill>
         <p:spPr>
           <a:xfrm>
-            <a:off x="624894" y="869612"/>
+            <a:off x="947624" y="762035"/>
             <a:ext cx="9992306" cy="5807884"/>
           </a:xfrm>
           <a:prstGeom prst="rect">
